--- a/lectures3/gr/Pythonlearn-04-Functions.pptx
+++ b/lectures3/gr/Pythonlearn-04-Functions.pptx
@@ -32,7 +32,7 @@
     <p:sldId id="276" r:id="rId23"/>
     <p:sldId id="278" r:id="rId24"/>
     <p:sldId id="277" r:id="rId25"/>
-    <p:sldId id="303" r:id="rId26"/>
+    <p:sldId id="320" r:id="rId26"/>
   </p:sldIdLst>
   <p:sldSz cx="16256000" cy="9144000"/>
   <p:notesSz cx="6858000" cy="9144000"/>
@@ -9543,7 +9543,7 @@
               <a:t>&gt;&gt;&gt; </a:t>
             </a:r>
             <a:r>
-              <a:rPr lang="en-US" sz="2600" i="0" u="none" strike="noStrike" cap="none" dirty="0" err="1">
+              <a:rPr lang="en-US" sz="2600" i="0" u="none" strike="noStrike" cap="none" dirty="0">
                 <a:solidFill>
                   <a:srgbClr val="FFFF00"/>
                 </a:solidFill>
@@ -9567,20 +9567,20 @@
               <a:t> </a:t>
             </a:r>
             <a:r>
+              <a:rPr lang="el-GR" sz="2600" i="0" u="none" strike="noStrike" cap="none" dirty="0">
+                <a:solidFill>
+                  <a:srgbClr val="00FF00"/>
+                </a:solidFill>
+                <a:latin typeface="Courier"/>
+                <a:ea typeface="Courier"/>
+                <a:cs typeface="Courier"/>
+                <a:sym typeface="Courier New"/>
+              </a:rPr>
+              <a:t>χαιρετισμός</a:t>
+            </a:r>
+            <a:r>
               <a:rPr lang="en-US" sz="2600" i="0" u="none" strike="noStrike" cap="none" dirty="0">
                 <a:solidFill>
-                  <a:srgbClr val="00FF00"/>
-                </a:solidFill>
-                <a:latin typeface="Courier"/>
-                <a:ea typeface="Courier"/>
-                <a:cs typeface="Courier"/>
-                <a:sym typeface="Courier New"/>
-              </a:rPr>
-              <a:t>greet</a:t>
-            </a:r>
-            <a:r>
-              <a:rPr lang="en-US" sz="2600" i="0" u="none" strike="noStrike" cap="none" dirty="0">
-                <a:solidFill>
                   <a:schemeClr val="lt1"/>
                 </a:solidFill>
                 <a:latin typeface="Courier"/>
@@ -9591,7 +9591,7 @@
               <a:t>(</a:t>
             </a:r>
             <a:r>
-              <a:rPr lang="en-US" sz="2600" i="0" u="none" strike="noStrike" cap="none" dirty="0" err="1">
+              <a:rPr lang="el-GR" sz="2600" i="0" u="none" strike="noStrike" cap="none" dirty="0">
                 <a:solidFill>
                   <a:srgbClr val="00FFFF"/>
                 </a:solidFill>
@@ -9600,7 +9600,7 @@
                 <a:cs typeface="Courier"/>
                 <a:sym typeface="Courier New"/>
               </a:rPr>
-              <a:t>lang</a:t>
+              <a:t>γλώσσα</a:t>
             </a:r>
             <a:r>
               <a:rPr lang="en-US" sz="2600" i="0" u="none" strike="noStrike" cap="none" dirty="0">
@@ -9682,7 +9682,7 @@
               <a:t> </a:t>
             </a:r>
             <a:r>
-              <a:rPr lang="en-US" sz="2600" i="0" u="none" strike="noStrike" cap="none" dirty="0" err="1">
+              <a:rPr lang="el-GR" sz="2600" i="0" u="none" strike="noStrike" cap="none" dirty="0">
                 <a:solidFill>
                   <a:srgbClr val="00FFFF"/>
                 </a:solidFill>
@@ -9691,7 +9691,7 @@
                 <a:cs typeface="Courier"/>
                 <a:sym typeface="Courier New"/>
               </a:rPr>
-              <a:t>lang</a:t>
+              <a:t>γλώσσα</a:t>
             </a:r>
             <a:r>
               <a:rPr lang="en-US" sz="2600" i="0" u="none" strike="noStrike" cap="none" dirty="0">
@@ -9703,31 +9703,7 @@
                 <a:cs typeface="Courier"/>
                 <a:sym typeface="Courier New"/>
               </a:rPr>
-              <a:t> == '</a:t>
-            </a:r>
-            <a:r>
-              <a:rPr lang="en-US" sz="2600" i="0" u="none" strike="noStrike" cap="none" dirty="0" err="1">
-                <a:solidFill>
-                  <a:schemeClr val="lt1"/>
-                </a:solidFill>
-                <a:latin typeface="Courier"/>
-                <a:ea typeface="Courier"/>
-                <a:cs typeface="Courier"/>
-                <a:sym typeface="Courier New"/>
-              </a:rPr>
-              <a:t>es</a:t>
-            </a:r>
-            <a:r>
-              <a:rPr lang="en-US" sz="2600" i="0" u="none" strike="noStrike" cap="none" dirty="0">
-                <a:solidFill>
-                  <a:schemeClr val="lt1"/>
-                </a:solidFill>
-                <a:latin typeface="Courier"/>
-                <a:ea typeface="Courier"/>
-                <a:cs typeface="Courier"/>
-                <a:sym typeface="Courier New"/>
-              </a:rPr>
-              <a:t>':</a:t>
+              <a:t> == 'es':</a:t>
             </a:r>
           </a:p>
           <a:p>
@@ -9876,7 +9852,7 @@
               <a:t> </a:t>
             </a:r>
             <a:r>
-              <a:rPr lang="en-US" sz="2600" i="0" u="none" strike="noStrike" cap="none" dirty="0" err="1">
+              <a:rPr lang="el-GR" sz="2600" i="0" u="none" strike="noStrike" cap="none" dirty="0">
                 <a:solidFill>
                   <a:srgbClr val="00FFFF"/>
                 </a:solidFill>
@@ -9885,7 +9861,7 @@
                 <a:cs typeface="Courier"/>
                 <a:sym typeface="Courier New"/>
               </a:rPr>
-              <a:t>lang</a:t>
+              <a:t>γλώσσα</a:t>
             </a:r>
             <a:r>
               <a:rPr lang="en-US" sz="2600" i="0" u="none" strike="noStrike" cap="none" dirty="0">
@@ -10187,7 +10163,7 @@
               <a:t>&gt;&gt;&gt; </a:t>
             </a:r>
             <a:r>
-              <a:rPr lang="en-US" sz="2600" i="0" u="none" strike="noStrike" cap="none" dirty="0">
+              <a:rPr lang="el-GR" sz="2600" i="0" u="none" strike="noStrike" cap="none" dirty="0">
                 <a:solidFill>
                   <a:srgbClr val="00FF00"/>
                 </a:solidFill>
@@ -10196,7 +10172,7 @@
                 <a:cs typeface="Courier"/>
                 <a:sym typeface="Courier New"/>
               </a:rPr>
-              <a:t>greet</a:t>
+              <a:t>χαιρετισμός</a:t>
             </a:r>
             <a:r>
               <a:rPr lang="en-US" sz="2600" i="0" u="none" strike="noStrike" cap="none" dirty="0">
@@ -10321,32 +10297,32 @@
               <a:t>&gt;&gt;&gt; </a:t>
             </a:r>
             <a:r>
+              <a:rPr lang="el-GR" sz="2600" i="0" u="none" strike="noStrike" cap="none" dirty="0">
+                <a:solidFill>
+                  <a:srgbClr val="00FF00"/>
+                </a:solidFill>
+                <a:latin typeface="Courier"/>
+                <a:ea typeface="Courier"/>
+                <a:cs typeface="Courier"/>
+                <a:sym typeface="Courier New"/>
+              </a:rPr>
+              <a:t>χαιρετισμός</a:t>
+            </a:r>
+            <a:r>
               <a:rPr lang="en-US" sz="2600" i="0" u="none" strike="noStrike" cap="none" dirty="0">
                 <a:solidFill>
-                  <a:srgbClr val="00FF00"/>
-                </a:solidFill>
-                <a:latin typeface="Courier"/>
-                <a:ea typeface="Courier"/>
-                <a:cs typeface="Courier"/>
-                <a:sym typeface="Courier New"/>
-              </a:rPr>
-              <a:t>greet</a:t>
+                  <a:schemeClr val="lt1"/>
+                </a:solidFill>
+                <a:latin typeface="Courier"/>
+                <a:ea typeface="Courier"/>
+                <a:cs typeface="Courier"/>
+                <a:sym typeface="Courier New"/>
+              </a:rPr>
+              <a:t>(</a:t>
             </a:r>
             <a:r>
               <a:rPr lang="en-US" sz="2600" i="0" u="none" strike="noStrike" cap="none" dirty="0">
                 <a:solidFill>
-                  <a:schemeClr val="lt1"/>
-                </a:solidFill>
-                <a:latin typeface="Courier"/>
-                <a:ea typeface="Courier"/>
-                <a:cs typeface="Courier"/>
-                <a:sym typeface="Courier New"/>
-              </a:rPr>
-              <a:t>(</a:t>
-            </a:r>
-            <a:r>
-              <a:rPr lang="en-US" sz="2600" i="0" u="none" strike="noStrike" cap="none" dirty="0">
-                <a:solidFill>
                   <a:srgbClr val="FF7F00"/>
                 </a:solidFill>
                 <a:latin typeface="Courier"/>
@@ -10354,31 +10330,7 @@
                 <a:cs typeface="Courier"/>
                 <a:sym typeface="Courier New"/>
               </a:rPr>
-              <a:t>'</a:t>
-            </a:r>
-            <a:r>
-              <a:rPr lang="en-US" sz="2600" i="0" u="none" strike="noStrike" cap="none" dirty="0" err="1">
-                <a:solidFill>
-                  <a:srgbClr val="FF7F00"/>
-                </a:solidFill>
-                <a:latin typeface="Courier"/>
-                <a:ea typeface="Courier"/>
-                <a:cs typeface="Courier"/>
-                <a:sym typeface="Courier New"/>
-              </a:rPr>
-              <a:t>es</a:t>
-            </a:r>
-            <a:r>
-              <a:rPr lang="en-US" sz="2600" i="0" u="none" strike="noStrike" cap="none" dirty="0">
-                <a:solidFill>
-                  <a:srgbClr val="FF7F00"/>
-                </a:solidFill>
-                <a:latin typeface="Courier"/>
-                <a:ea typeface="Courier"/>
-                <a:cs typeface="Courier"/>
-                <a:sym typeface="Courier New"/>
-              </a:rPr>
-              <a:t>'</a:t>
+              <a:t>'es'</a:t>
             </a:r>
             <a:r>
               <a:rPr lang="en-US" sz="2600" i="0" u="none" strike="noStrike" cap="none" dirty="0">
@@ -10464,7 +10416,7 @@
               <a:t>&gt;&gt;&gt; </a:t>
             </a:r>
             <a:r>
-              <a:rPr lang="en-US" sz="2600" i="0" u="none" strike="noStrike" cap="none" dirty="0">
+              <a:rPr lang="el-GR" sz="2600" i="0" u="none" strike="noStrike" cap="none" dirty="0">
                 <a:solidFill>
                   <a:srgbClr val="00FF00"/>
                 </a:solidFill>
@@ -10473,7 +10425,7 @@
                 <a:cs typeface="Courier"/>
                 <a:sym typeface="Courier New"/>
               </a:rPr>
-              <a:t>greet</a:t>
+              <a:t>χαιρετισμός</a:t>
             </a:r>
             <a:r>
               <a:rPr lang="en-US" sz="2600" i="0" u="none" strike="noStrike" cap="none" dirty="0">
@@ -10861,7 +10813,7 @@
         <p:spPr>
           <a:xfrm>
             <a:off x="2911989" y="5370512"/>
-            <a:ext cx="6832088" cy="2832000"/>
+            <a:ext cx="7570954" cy="2832000"/>
           </a:xfrm>
           <a:prstGeom prst="rect">
             <a:avLst/>
@@ -10895,7 +10847,7 @@
               <a:buNone/>
             </a:pPr>
             <a:r>
-              <a:rPr lang="en-US" sz="3200" i="0" u="none" strike="noStrike" cap="none" dirty="0" err="1">
+              <a:rPr lang="en-US" sz="3200" i="0" u="none" strike="noStrike" cap="none" dirty="0">
                 <a:solidFill>
                   <a:srgbClr val="FFFF00"/>
                 </a:solidFill>
@@ -10904,22 +10856,10 @@
                 <a:cs typeface="Courier"/>
                 <a:sym typeface="Courier New"/>
               </a:rPr>
-              <a:t>def</a:t>
-            </a:r>
-            <a:r>
-              <a:rPr lang="en-US" sz="3200" i="0" u="none" strike="noStrike" cap="none" dirty="0">
-                <a:solidFill>
-                  <a:srgbClr val="FFFF00"/>
-                </a:solidFill>
-                <a:latin typeface="Courier"/>
-                <a:ea typeface="Courier"/>
-                <a:cs typeface="Courier"/>
-                <a:sym typeface="Courier New"/>
-              </a:rPr>
-              <a:t> </a:t>
-            </a:r>
-            <a:r>
-              <a:rPr lang="en-US" sz="3200" i="0" u="none" strike="noStrike" cap="none" dirty="0">
+              <a:t>def </a:t>
+            </a:r>
+            <a:r>
+              <a:rPr lang="el-GR" sz="3200" i="0" u="none" strike="noStrike" cap="none" dirty="0">
                 <a:solidFill>
                   <a:srgbClr val="00FF00"/>
                 </a:solidFill>
@@ -10928,7 +10868,7 @@
                 <a:cs typeface="Courier"/>
                 <a:sym typeface="Courier New"/>
               </a:rPr>
-              <a:t>greet</a:t>
+              <a:t>χαιρετισμός</a:t>
             </a:r>
             <a:r>
               <a:rPr lang="en-US" sz="3200" i="0" u="none" strike="noStrike" cap="none" dirty="0">
@@ -10995,7 +10935,31 @@
                 <a:cs typeface="Courier"/>
                 <a:sym typeface="Courier New"/>
               </a:rPr>
-              <a:t> "Hello</a:t>
+              <a:t> </a:t>
+            </a:r>
+            <a:r>
+              <a:rPr lang="en-US" sz="3200" dirty="0">
+                <a:solidFill>
+                  <a:srgbClr val="FFFF00"/>
+                </a:solidFill>
+                <a:latin typeface="Courier"/>
+                <a:ea typeface="Courier"/>
+                <a:cs typeface="Courier"/>
+                <a:sym typeface="Courier New"/>
+              </a:rPr>
+              <a:t>"</a:t>
+            </a:r>
+            <a:r>
+              <a:rPr lang="el-GR" sz="3200" i="0" u="none" strike="noStrike" cap="none" dirty="0">
+                <a:solidFill>
+                  <a:srgbClr val="FFFF00"/>
+                </a:solidFill>
+                <a:latin typeface="Courier"/>
+                <a:ea typeface="Courier"/>
+                <a:cs typeface="Courier"/>
+                <a:sym typeface="Courier New"/>
+              </a:rPr>
+              <a:t>Γειά σου</a:t>
             </a:r>
             <a:r>
               <a:rPr lang="en-US" sz="3200" dirty="0">
@@ -11064,6 +11028,18 @@
               <a:t>print(</a:t>
             </a:r>
             <a:r>
+              <a:rPr lang="el-GR" sz="3200" i="0" u="none" strike="noStrike" cap="none" dirty="0">
+                <a:solidFill>
+                  <a:srgbClr val="FF00FF"/>
+                </a:solidFill>
+                <a:latin typeface="Courier"/>
+                <a:ea typeface="Courier"/>
+                <a:cs typeface="Courier"/>
+                <a:sym typeface="Courier New"/>
+              </a:rPr>
+              <a:t>χαιρετισμός</a:t>
+            </a:r>
+            <a:r>
               <a:rPr lang="en-US" sz="3200" i="0" u="none" strike="noStrike" cap="none" dirty="0">
                 <a:solidFill>
                   <a:srgbClr val="FF00FF"/>
@@ -11073,7 +11049,7 @@
                 <a:cs typeface="Courier"/>
                 <a:sym typeface="Courier New"/>
               </a:rPr>
-              <a:t>greet()</a:t>
+              <a:t>()</a:t>
             </a:r>
             <a:r>
               <a:rPr lang="en-US" sz="3200" i="0" u="none" strike="noStrike" cap="none" dirty="0">
@@ -11085,7 +11061,31 @@
                 <a:cs typeface="Courier"/>
                 <a:sym typeface="Courier New"/>
               </a:rPr>
-              <a:t>, "Glenn</a:t>
+              <a:t>, </a:t>
+            </a:r>
+            <a:r>
+              <a:rPr lang="en-US" sz="3200" dirty="0">
+                <a:solidFill>
+                  <a:srgbClr val="FFFF00"/>
+                </a:solidFill>
+                <a:latin typeface="Courier"/>
+                <a:ea typeface="Courier"/>
+                <a:cs typeface="Courier"/>
+                <a:sym typeface="Courier New"/>
+              </a:rPr>
+              <a:t>"</a:t>
+            </a:r>
+            <a:r>
+              <a:rPr lang="el-GR" sz="3200" i="0" u="none" strike="noStrike" cap="none" dirty="0">
+                <a:solidFill>
+                  <a:srgbClr val="FFFF00"/>
+                </a:solidFill>
+                <a:latin typeface="Courier"/>
+                <a:ea typeface="Courier"/>
+                <a:cs typeface="Courier"/>
+                <a:sym typeface="Courier New"/>
+              </a:rPr>
+              <a:t>Κώστα</a:t>
             </a:r>
             <a:r>
               <a:rPr lang="en-US" sz="3200" dirty="0">
@@ -11131,6 +11131,18 @@
               <a:t>print(</a:t>
             </a:r>
             <a:r>
+              <a:rPr lang="el-GR" sz="3200" i="0" u="none" strike="noStrike" cap="none" dirty="0">
+                <a:solidFill>
+                  <a:srgbClr val="FF00FF"/>
+                </a:solidFill>
+                <a:latin typeface="Courier"/>
+                <a:ea typeface="Courier"/>
+                <a:cs typeface="Courier"/>
+                <a:sym typeface="Courier New"/>
+              </a:rPr>
+              <a:t>χαιρετισμός</a:t>
+            </a:r>
+            <a:r>
               <a:rPr lang="en-US" sz="3200" i="0" u="none" strike="noStrike" cap="none" dirty="0">
                 <a:solidFill>
                   <a:srgbClr val="FF00FF"/>
@@ -11140,7 +11152,7 @@
                 <a:cs typeface="Courier"/>
                 <a:sym typeface="Courier New"/>
               </a:rPr>
-              <a:t>greet()</a:t>
+              <a:t>()</a:t>
             </a:r>
             <a:r>
               <a:rPr lang="en-US" sz="3200" i="0" u="none" strike="noStrike" cap="none" dirty="0">
@@ -11152,7 +11164,43 @@
                 <a:cs typeface="Courier"/>
                 <a:sym typeface="Courier New"/>
               </a:rPr>
-              <a:t>, "Sally")</a:t>
+              <a:t>, </a:t>
+            </a:r>
+            <a:r>
+              <a:rPr lang="en-US" sz="3200" dirty="0">
+                <a:solidFill>
+                  <a:srgbClr val="FFFF00"/>
+                </a:solidFill>
+                <a:latin typeface="Courier"/>
+                <a:ea typeface="Courier"/>
+                <a:cs typeface="Courier"/>
+                <a:sym typeface="Courier New"/>
+              </a:rPr>
+              <a:t>"</a:t>
+            </a:r>
+            <a:r>
+              <a:rPr lang="el-GR" sz="3200" i="0" u="none" strike="noStrike" cap="none" dirty="0">
+                <a:solidFill>
+                  <a:srgbClr val="FFFF00"/>
+                </a:solidFill>
+                <a:latin typeface="Courier"/>
+                <a:ea typeface="Courier"/>
+                <a:cs typeface="Courier"/>
+                <a:sym typeface="Courier New"/>
+              </a:rPr>
+              <a:t>Έλη</a:t>
+            </a:r>
+            <a:r>
+              <a:rPr lang="en-US" sz="3200" i="0" u="none" strike="noStrike" cap="none" dirty="0">
+                <a:solidFill>
+                  <a:srgbClr val="FFFF00"/>
+                </a:solidFill>
+                <a:latin typeface="Courier"/>
+                <a:ea typeface="Courier"/>
+                <a:cs typeface="Courier"/>
+                <a:sym typeface="Courier New"/>
+              </a:rPr>
+              <a:t>")</a:t>
             </a:r>
           </a:p>
         </p:txBody>
@@ -11200,7 +11248,7 @@
               <a:buNone/>
             </a:pPr>
             <a:r>
-              <a:rPr lang="en-US" sz="3600" i="0" u="none" strike="noStrike" cap="none">
+              <a:rPr lang="el-GR" sz="3600" i="0" u="none" strike="noStrike" cap="none" dirty="0">
                 <a:solidFill>
                   <a:srgbClr val="00FF00"/>
                 </a:solidFill>
@@ -11209,8 +11257,41 @@
                 <a:cs typeface="Courier"/>
                 <a:sym typeface="Courier New"/>
               </a:rPr>
-              <a:t>Hello Glenn</a:t>
-            </a:r>
+              <a:t>Γειά σου</a:t>
+            </a:r>
+            <a:r>
+              <a:rPr lang="en-US" sz="3600" i="0" u="none" strike="noStrike" cap="none" dirty="0">
+                <a:solidFill>
+                  <a:srgbClr val="00FF00"/>
+                </a:solidFill>
+                <a:latin typeface="Courier"/>
+                <a:ea typeface="Courier"/>
+                <a:cs typeface="Courier"/>
+                <a:sym typeface="Courier New"/>
+              </a:rPr>
+              <a:t> </a:t>
+            </a:r>
+            <a:r>
+              <a:rPr lang="el-GR" sz="3600" i="0" u="none" strike="noStrike" cap="none" dirty="0">
+                <a:solidFill>
+                  <a:srgbClr val="00FF00"/>
+                </a:solidFill>
+                <a:latin typeface="Courier"/>
+                <a:ea typeface="Courier"/>
+                <a:cs typeface="Courier"/>
+                <a:sym typeface="Courier New"/>
+              </a:rPr>
+              <a:t>Κώστα</a:t>
+            </a:r>
+            <a:endParaRPr lang="en-US" sz="3600" i="0" u="none" strike="noStrike" cap="none" dirty="0">
+              <a:solidFill>
+                <a:srgbClr val="00FF00"/>
+              </a:solidFill>
+              <a:latin typeface="Courier"/>
+              <a:ea typeface="Courier"/>
+              <a:cs typeface="Courier"/>
+              <a:sym typeface="Courier New"/>
+            </a:endParaRPr>
           </a:p>
           <a:p>
             <a:pPr marL="0" marR="0" lvl="0" indent="0" algn="l" rtl="0">
@@ -11231,6 +11312,18 @@
               <a:buNone/>
             </a:pPr>
             <a:r>
+              <a:rPr lang="el-GR" sz="3600" i="0" u="none" strike="noStrike" cap="none" dirty="0">
+                <a:solidFill>
+                  <a:srgbClr val="00FF00"/>
+                </a:solidFill>
+                <a:latin typeface="Courier"/>
+                <a:ea typeface="Courier"/>
+                <a:cs typeface="Courier"/>
+                <a:sym typeface="Courier New"/>
+              </a:rPr>
+              <a:t>Γειά σου</a:t>
+            </a:r>
+            <a:r>
               <a:rPr lang="en-US" sz="3600" i="0" u="none" strike="noStrike" cap="none" dirty="0">
                 <a:solidFill>
                   <a:srgbClr val="00FF00"/>
@@ -11240,8 +11333,29 @@
                 <a:cs typeface="Courier"/>
                 <a:sym typeface="Courier New"/>
               </a:rPr>
-              <a:t>Hello Sally</a:t>
-            </a:r>
+              <a:t> </a:t>
+            </a:r>
+            <a:r>
+              <a:rPr lang="el-GR" sz="3600" i="0" u="none" strike="noStrike" cap="none" dirty="0">
+                <a:solidFill>
+                  <a:srgbClr val="00FF00"/>
+                </a:solidFill>
+                <a:latin typeface="Courier"/>
+                <a:ea typeface="Courier"/>
+                <a:cs typeface="Courier"/>
+                <a:sym typeface="Courier New"/>
+              </a:rPr>
+              <a:t>Έλη</a:t>
+            </a:r>
+            <a:endParaRPr lang="en-US" sz="3600" i="0" u="none" strike="noStrike" cap="none" dirty="0">
+              <a:solidFill>
+                <a:srgbClr val="00FF00"/>
+              </a:solidFill>
+              <a:latin typeface="Courier"/>
+              <a:ea typeface="Courier"/>
+              <a:cs typeface="Courier"/>
+              <a:sym typeface="Courier New"/>
+            </a:endParaRPr>
           </a:p>
         </p:txBody>
       </p:sp>
@@ -11657,8 +11771,8 @@
         </p:nvSpPr>
         <p:spPr>
           <a:xfrm>
-            <a:off x="9002225" y="2309525"/>
-            <a:ext cx="6722399" cy="6429300"/>
+            <a:off x="8817429" y="2309525"/>
+            <a:ext cx="6907195" cy="6429300"/>
           </a:xfrm>
           <a:prstGeom prst="rect">
             <a:avLst/>
@@ -11704,7 +11818,7 @@
               <a:t>&gt;&gt;&gt; </a:t>
             </a:r>
             <a:r>
-              <a:rPr lang="en-US" sz="2500" i="0" u="none" strike="noStrike" cap="none" dirty="0" err="1">
+              <a:rPr lang="en-US" sz="2500" i="0" u="none" strike="noStrike" cap="none" dirty="0">
                 <a:solidFill>
                   <a:srgbClr val="FFFF00"/>
                 </a:solidFill>
@@ -11728,20 +11842,20 @@
               <a:t> </a:t>
             </a:r>
             <a:r>
+              <a:rPr lang="el-GR" sz="2500" i="0" u="none" strike="noStrike" cap="none" dirty="0">
+                <a:solidFill>
+                  <a:srgbClr val="00FF00"/>
+                </a:solidFill>
+                <a:latin typeface="Courier"/>
+                <a:ea typeface="Courier"/>
+                <a:cs typeface="Courier"/>
+                <a:sym typeface="Courier New"/>
+              </a:rPr>
+              <a:t>χαιρετισμός</a:t>
+            </a:r>
+            <a:r>
               <a:rPr lang="en-US" sz="2500" i="0" u="none" strike="noStrike" cap="none" dirty="0">
                 <a:solidFill>
-                  <a:srgbClr val="00FF00"/>
-                </a:solidFill>
-                <a:latin typeface="Courier"/>
-                <a:ea typeface="Courier"/>
-                <a:cs typeface="Courier"/>
-                <a:sym typeface="Courier New"/>
-              </a:rPr>
-              <a:t>greet</a:t>
-            </a:r>
-            <a:r>
-              <a:rPr lang="en-US" sz="2500" i="0" u="none" strike="noStrike" cap="none" dirty="0">
-                <a:solidFill>
                   <a:schemeClr val="lt1"/>
                 </a:solidFill>
                 <a:latin typeface="Courier"/>
@@ -11752,7 +11866,7 @@
               <a:t>(</a:t>
             </a:r>
             <a:r>
-              <a:rPr lang="en-US" sz="2500" i="0" u="none" strike="noStrike" cap="none" dirty="0" err="1">
+              <a:rPr lang="el-GR" sz="2500" i="0" u="none" strike="noStrike" cap="none" dirty="0">
                 <a:solidFill>
                   <a:srgbClr val="00FFFF"/>
                 </a:solidFill>
@@ -11761,7 +11875,7 @@
                 <a:cs typeface="Courier"/>
                 <a:sym typeface="Courier New"/>
               </a:rPr>
-              <a:t>lang</a:t>
+              <a:t>γλώσσα</a:t>
             </a:r>
             <a:r>
               <a:rPr lang="en-US" sz="2500" i="0" u="none" strike="noStrike" cap="none" dirty="0">
@@ -11843,7 +11957,7 @@
               <a:t> </a:t>
             </a:r>
             <a:r>
-              <a:rPr lang="en-US" sz="2500" i="0" u="none" strike="noStrike" cap="none" dirty="0" err="1">
+              <a:rPr lang="el-GR" sz="2500" i="0" u="none" strike="noStrike" cap="none" dirty="0">
                 <a:solidFill>
                   <a:srgbClr val="00FFFF"/>
                 </a:solidFill>
@@ -11852,7 +11966,7 @@
                 <a:cs typeface="Courier"/>
                 <a:sym typeface="Courier New"/>
               </a:rPr>
-              <a:t>lang</a:t>
+              <a:t>γλώσσα</a:t>
             </a:r>
             <a:r>
               <a:rPr lang="en-US" sz="2500" i="0" u="none" strike="noStrike" cap="none" dirty="0">
@@ -11864,31 +11978,7 @@
                 <a:cs typeface="Courier"/>
                 <a:sym typeface="Courier New"/>
               </a:rPr>
-              <a:t> == '</a:t>
-            </a:r>
-            <a:r>
-              <a:rPr lang="en-US" sz="2500" i="0" u="none" strike="noStrike" cap="none" dirty="0" err="1">
-                <a:solidFill>
-                  <a:schemeClr val="lt1"/>
-                </a:solidFill>
-                <a:latin typeface="Courier"/>
-                <a:ea typeface="Courier"/>
-                <a:cs typeface="Courier"/>
-                <a:sym typeface="Courier New"/>
-              </a:rPr>
-              <a:t>es</a:t>
-            </a:r>
-            <a:r>
-              <a:rPr lang="en-US" sz="2500" i="0" u="none" strike="noStrike" cap="none" dirty="0">
-                <a:solidFill>
-                  <a:schemeClr val="lt1"/>
-                </a:solidFill>
-                <a:latin typeface="Courier"/>
-                <a:ea typeface="Courier"/>
-                <a:cs typeface="Courier"/>
-                <a:sym typeface="Courier New"/>
-              </a:rPr>
-              <a:t>':</a:t>
+              <a:t> == 'es':</a:t>
             </a:r>
           </a:p>
           <a:p>
@@ -12049,7 +12139,7 @@
               <a:t> </a:t>
             </a:r>
             <a:r>
-              <a:rPr lang="en-US" sz="2500" i="0" u="none" strike="noStrike" cap="none" dirty="0" err="1">
+              <a:rPr lang="el-GR" sz="2500" i="0" u="none" strike="noStrike" cap="none" dirty="0">
                 <a:solidFill>
                   <a:srgbClr val="00FFFF"/>
                 </a:solidFill>
@@ -12058,7 +12148,7 @@
                 <a:cs typeface="Courier"/>
                 <a:sym typeface="Courier New"/>
               </a:rPr>
-              <a:t>lang</a:t>
+              <a:t>γλώσσα</a:t>
             </a:r>
             <a:r>
               <a:rPr lang="en-US" sz="2500" i="0" u="none" strike="noStrike" cap="none" dirty="0">
@@ -12396,7 +12486,7 @@
               <a:t>(</a:t>
             </a:r>
             <a:r>
-              <a:rPr lang="en-US" sz="2500" i="0" u="none" strike="noStrike" cap="none" dirty="0">
+              <a:rPr lang="el-GR" sz="2500" i="0" u="none" strike="noStrike" cap="none" dirty="0">
                 <a:solidFill>
                   <a:srgbClr val="00FF00"/>
                 </a:solidFill>
@@ -12405,7 +12495,7 @@
                 <a:cs typeface="Courier"/>
                 <a:sym typeface="Courier New"/>
               </a:rPr>
-              <a:t>greet</a:t>
+              <a:t>χαιρετισμός</a:t>
             </a:r>
             <a:r>
               <a:rPr lang="en-US" sz="2500" i="0" u="none" strike="noStrike" cap="none" dirty="0">
@@ -12566,32 +12656,32 @@
               <a:t>(</a:t>
             </a:r>
             <a:r>
+              <a:rPr lang="el-GR" sz="2500" i="0" u="none" strike="noStrike" cap="none" dirty="0">
+                <a:solidFill>
+                  <a:srgbClr val="00FF00"/>
+                </a:solidFill>
+                <a:latin typeface="Courier"/>
+                <a:ea typeface="Courier"/>
+                <a:cs typeface="Courier"/>
+                <a:sym typeface="Courier New"/>
+              </a:rPr>
+              <a:t>χαιρετισμός</a:t>
+            </a:r>
+            <a:r>
               <a:rPr lang="en-US" sz="2500" i="0" u="none" strike="noStrike" cap="none" dirty="0">
                 <a:solidFill>
-                  <a:srgbClr val="00FF00"/>
-                </a:solidFill>
-                <a:latin typeface="Courier"/>
-                <a:ea typeface="Courier"/>
-                <a:cs typeface="Courier"/>
-                <a:sym typeface="Courier New"/>
-              </a:rPr>
-              <a:t>greet</a:t>
+                  <a:schemeClr val="lt1"/>
+                </a:solidFill>
+                <a:latin typeface="Courier"/>
+                <a:ea typeface="Courier"/>
+                <a:cs typeface="Courier"/>
+                <a:sym typeface="Courier New"/>
+              </a:rPr>
+              <a:t>(</a:t>
             </a:r>
             <a:r>
               <a:rPr lang="en-US" sz="2500" i="0" u="none" strike="noStrike" cap="none" dirty="0">
                 <a:solidFill>
-                  <a:schemeClr val="lt1"/>
-                </a:solidFill>
-                <a:latin typeface="Courier"/>
-                <a:ea typeface="Courier"/>
-                <a:cs typeface="Courier"/>
-                <a:sym typeface="Courier New"/>
-              </a:rPr>
-              <a:t>(</a:t>
-            </a:r>
-            <a:r>
-              <a:rPr lang="en-US" sz="2500" i="0" u="none" strike="noStrike" cap="none" dirty="0">
-                <a:solidFill>
                   <a:srgbClr val="FF7F00"/>
                 </a:solidFill>
                 <a:latin typeface="Courier"/>
@@ -12599,31 +12689,7 @@
                 <a:cs typeface="Courier"/>
                 <a:sym typeface="Courier New"/>
               </a:rPr>
-              <a:t>'</a:t>
-            </a:r>
-            <a:r>
-              <a:rPr lang="en-US" sz="2500" i="0" u="none" strike="noStrike" cap="none" dirty="0" err="1">
-                <a:solidFill>
-                  <a:srgbClr val="FF7F00"/>
-                </a:solidFill>
-                <a:latin typeface="Courier"/>
-                <a:ea typeface="Courier"/>
-                <a:cs typeface="Courier"/>
-                <a:sym typeface="Courier New"/>
-              </a:rPr>
-              <a:t>es</a:t>
-            </a:r>
-            <a:r>
-              <a:rPr lang="en-US" sz="2500" i="0" u="none" strike="noStrike" cap="none" dirty="0">
-                <a:solidFill>
-                  <a:srgbClr val="FF7F00"/>
-                </a:solidFill>
-                <a:latin typeface="Courier"/>
-                <a:ea typeface="Courier"/>
-                <a:cs typeface="Courier"/>
-                <a:sym typeface="Courier New"/>
-              </a:rPr>
-              <a:t>'</a:t>
+              <a:t>'es'</a:t>
             </a:r>
             <a:r>
               <a:rPr lang="en-US" sz="2500" i="0" u="none" strike="noStrike" cap="none" dirty="0">
@@ -12748,7 +12814,7 @@
               <a:t>(</a:t>
             </a:r>
             <a:r>
-              <a:rPr lang="en-US" sz="2500" i="0" u="none" strike="noStrike" cap="none" dirty="0">
+              <a:rPr lang="el-GR" sz="2500" i="0" u="none" strike="noStrike" cap="none" dirty="0">
                 <a:solidFill>
                   <a:srgbClr val="00FF00"/>
                 </a:solidFill>
@@ -12757,7 +12823,7 @@
                 <a:cs typeface="Courier"/>
                 <a:sym typeface="Courier New"/>
               </a:rPr>
-              <a:t>greet</a:t>
+              <a:t>χαιρετισμός</a:t>
             </a:r>
             <a:r>
               <a:rPr lang="en-US" sz="2500" i="0" u="none" strike="noStrike" cap="none" dirty="0">
@@ -16382,7 +16448,7 @@
               <a:buNone/>
             </a:pPr>
             <a:r>
-              <a:rPr lang="en-US" sz="3000" i="0" u="none" strike="noStrike" cap="none" dirty="0" err="1">
+              <a:rPr lang="en-US" sz="3000" i="0" u="none" strike="noStrike" cap="none" dirty="0">
                 <a:solidFill>
                   <a:srgbClr val="FFFF00"/>
                 </a:solidFill>
@@ -16406,7 +16472,7 @@
               <a:t> </a:t>
             </a:r>
             <a:r>
-              <a:rPr lang="en-US" sz="3000" i="0" u="none" strike="noStrike" cap="none" dirty="0" err="1">
+              <a:rPr lang="el-GR" sz="3000" i="0" u="none" strike="noStrike" cap="none" dirty="0" err="1">
                 <a:solidFill>
                   <a:srgbClr val="00FF00"/>
                 </a:solidFill>
@@ -16415,7 +16481,7 @@
                 <a:cs typeface="Courier"/>
                 <a:sym typeface="Courier New"/>
               </a:rPr>
-              <a:t>addtwo</a:t>
+              <a:t>άθροισμαδύο</a:t>
             </a:r>
             <a:r>
               <a:rPr lang="en-US" sz="3000" i="0" u="none" strike="noStrike" cap="none" dirty="0">
@@ -16482,7 +16548,31 @@
                 <a:cs typeface="Courier"/>
                 <a:sym typeface="Courier New"/>
               </a:rPr>
-              <a:t>    added = </a:t>
+              <a:t>    </a:t>
+            </a:r>
+            <a:r>
+              <a:rPr lang="el-GR" sz="3000" i="0" u="none" strike="noStrike" cap="none" dirty="0" err="1">
+                <a:solidFill>
+                  <a:schemeClr val="lt1"/>
+                </a:solidFill>
+                <a:latin typeface="Courier"/>
+                <a:ea typeface="Courier"/>
+                <a:cs typeface="Courier"/>
+                <a:sym typeface="Courier New"/>
+              </a:rPr>
+              <a:t>άθροισμαδύο</a:t>
+            </a:r>
+            <a:r>
+              <a:rPr lang="en-US" sz="3000" i="0" u="none" strike="noStrike" cap="none" dirty="0">
+                <a:solidFill>
+                  <a:schemeClr val="lt1"/>
+                </a:solidFill>
+                <a:latin typeface="Courier"/>
+                <a:ea typeface="Courier"/>
+                <a:cs typeface="Courier"/>
+                <a:sym typeface="Courier New"/>
+              </a:rPr>
+              <a:t> = </a:t>
             </a:r>
             <a:r>
               <a:rPr lang="en-US" sz="3000" i="0" u="none" strike="noStrike" cap="none" dirty="0">
@@ -16573,8 +16663,29 @@
                 <a:cs typeface="Courier"/>
                 <a:sym typeface="Courier New"/>
               </a:rPr>
-              <a:t> added</a:t>
-            </a:r>
+              <a:t> </a:t>
+            </a:r>
+            <a:r>
+              <a:rPr lang="el-GR" sz="3000" i="0" u="none" strike="noStrike" cap="none" dirty="0" err="1">
+                <a:solidFill>
+                  <a:schemeClr val="lt1"/>
+                </a:solidFill>
+                <a:latin typeface="Courier"/>
+                <a:ea typeface="Courier"/>
+                <a:cs typeface="Courier"/>
+                <a:sym typeface="Courier New"/>
+              </a:rPr>
+              <a:t>άθροισμαδύο</a:t>
+            </a:r>
+            <a:endParaRPr lang="en-US" sz="3000" i="0" u="none" strike="noStrike" cap="none" dirty="0">
+              <a:solidFill>
+                <a:schemeClr val="lt1"/>
+              </a:solidFill>
+              <a:latin typeface="Courier"/>
+              <a:ea typeface="Courier"/>
+              <a:cs typeface="Courier"/>
+              <a:sym typeface="Courier New"/>
+            </a:endParaRPr>
           </a:p>
           <a:p>
             <a:pPr marL="0" marR="0" lvl="0" indent="0" algn="l" rtl="0">
@@ -16634,7 +16745,7 @@
               <a:t>x = </a:t>
             </a:r>
             <a:r>
-              <a:rPr lang="en-US" sz="3000" i="0" u="none" strike="noStrike" cap="none" dirty="0" err="1">
+              <a:rPr lang="el-GR" sz="3000" i="0" u="none" strike="noStrike" cap="none" dirty="0" err="1">
                 <a:solidFill>
                   <a:srgbClr val="00FF00"/>
                 </a:solidFill>
@@ -16643,7 +16754,7 @@
                 <a:cs typeface="Courier"/>
                 <a:sym typeface="Courier New"/>
               </a:rPr>
-              <a:t>addtwo</a:t>
+              <a:t>άθροισμαδύο</a:t>
             </a:r>
             <a:r>
               <a:rPr lang="en-US" sz="3000" i="0" u="none" strike="noStrike" cap="none" dirty="0">
@@ -18862,6 +18973,39 @@
           </a:p>
         </p:txBody>
       </p:sp>
+      <p:pic>
+        <p:nvPicPr>
+          <p:cNvPr id="6" name="Shape 536">
+            <a:extLst>
+              <a:ext uri="{FF2B5EF4-FFF2-40B4-BE49-F238E27FC236}">
+                <a16:creationId xmlns:a16="http://schemas.microsoft.com/office/drawing/2014/main" id="{BE10AF01-D437-453D-BE38-BD03821DC145}"/>
+              </a:ext>
+            </a:extLst>
+          </p:cNvPr>
+          <p:cNvPicPr preferRelativeResize="0"/>
+          <p:nvPr/>
+        </p:nvPicPr>
+        <p:blipFill rotWithShape="1">
+          <a:blip r:embed="rId5">
+            <a:alphaModFix/>
+          </a:blip>
+          <a:srcRect/>
+          <a:stretch/>
+        </p:blipFill>
+        <p:spPr>
+          <a:xfrm>
+            <a:off x="643300" y="789709"/>
+            <a:ext cx="1024800" cy="1024800"/>
+          </a:xfrm>
+          <a:prstGeom prst="rect">
+            <a:avLst/>
+          </a:prstGeom>
+          <a:noFill/>
+          <a:ln>
+            <a:noFill/>
+          </a:ln>
+        </p:spPr>
+      </p:pic>
     </p:spTree>
   </p:cSld>
   <p:clrMapOvr>

--- a/lectures3/gr/Pythonlearn-04-Functions.pptx
+++ b/lectures3/gr/Pythonlearn-04-Functions.pptx
@@ -572,13 +572,50 @@
               <a:buNone/>
             </a:pPr>
             <a:r>
-              <a:rPr lang="en-US">
+              <a:rPr lang="el-GR" dirty="0">
                 <a:solidFill>
                   <a:schemeClr val="dk2"/>
                 </a:solidFill>
               </a:rPr>
-              <a:t>Note from Chuck.  If you are using these materials, you can remove the UM logo and replace it with your own, but please retain the CC-BY logo on the first page as well as retain the entire last page.</a:t>
-            </a:r>
+              <a:t>Σημείωση από τον </a:t>
+            </a:r>
+            <a:r>
+              <a:rPr lang="en-US" dirty="0">
+                <a:solidFill>
+                  <a:schemeClr val="dk2"/>
+                </a:solidFill>
+              </a:rPr>
+              <a:t> Chuck</a:t>
+            </a:r>
+            <a:r>
+              <a:rPr lang="el-GR" dirty="0">
+                <a:solidFill>
+                  <a:schemeClr val="dk2"/>
+                </a:solidFill>
+              </a:rPr>
+              <a:t>. Εάν χρησιμοποιείτε αυτό το υλικό, μπορείτε να αφαιρέσετε το λογότυπο UM και να το αντικαταστήσετε με το δικό σας, αλλά διατηρήστε το λογότυπο CC-BY στην πρώτη σελίδα καθώς την/τις σελίδα/</a:t>
+            </a:r>
+            <a:r>
+              <a:rPr lang="el-GR" dirty="0" err="1">
+                <a:solidFill>
+                  <a:schemeClr val="dk2"/>
+                </a:solidFill>
+              </a:rPr>
+              <a:t>ες</a:t>
+            </a:r>
+            <a:r>
+              <a:rPr lang="el-GR">
+                <a:solidFill>
+                  <a:schemeClr val="dk2"/>
+                </a:solidFill>
+              </a:rPr>
+              <a:t> αναγνώρισης.</a:t>
+            </a:r>
+            <a:endParaRPr lang="en-US" dirty="0">
+              <a:solidFill>
+                <a:schemeClr val="dk2"/>
+              </a:solidFill>
+            </a:endParaRPr>
           </a:p>
         </p:txBody>
       </p:sp>
